--- a/presentation/Дерево секущих гиперплоскостей.pptx
+++ b/presentation/Дерево секущих гиперплоскостей.pptx
@@ -6,7 +6,7 @@
     <p:sldMasterId id="2147483900" r:id="rId2"/>
   </p:sldMasterIdLst>
   <p:notesMasterIdLst>
-    <p:notesMasterId r:id="rId21"/>
+    <p:notesMasterId r:id="rId22"/>
   </p:notesMasterIdLst>
   <p:sldIdLst>
     <p:sldId id="1527" r:id="rId3"/>
@@ -26,7 +26,8 @@
     <p:sldId id="1517" r:id="rId17"/>
     <p:sldId id="1514" r:id="rId18"/>
     <p:sldId id="1529" r:id="rId19"/>
-    <p:sldId id="1530" r:id="rId20"/>
+    <p:sldId id="1531" r:id="rId20"/>
+    <p:sldId id="1530" r:id="rId21"/>
   </p:sldIdLst>
   <p:sldSz cx="12192000" cy="6858000"/>
   <p:notesSz cx="6858000" cy="9144000"/>
@@ -950,7 +951,7 @@
           <a:p>
             <a:fld id="{97863621-2E60-B848-8968-B0341E26A312}" type="slidenum">
               <a:rPr lang="en-US" smtClean="0"/>
-              <a:t>18</a:t>
+              <a:t>19</a:t>
             </a:fld>
             <a:endParaRPr lang="en-US"/>
           </a:p>
@@ -11457,6 +11458,135 @@
             <a:spLocks noGrp="1"/>
           </p:cNvSpPr>
           <p:nvPr>
+            <p:ph type="title"/>
+          </p:nvPr>
+        </p:nvSpPr>
+        <p:spPr/>
+        <p:txBody>
+          <a:bodyPr/>
+          <a:lstStyle/>
+          <a:p>
+            <a:r>
+              <a:rPr lang="ru-RU" dirty="0" smtClean="0"/>
+              <a:t>Планы дальнейшей работы</a:t>
+            </a:r>
+            <a:endParaRPr lang="ru-RU" dirty="0"/>
+          </a:p>
+        </p:txBody>
+      </p:sp>
+      <p:sp>
+        <p:nvSpPr>
+          <p:cNvPr id="3" name="TextBox 2"/>
+          <p:cNvSpPr txBox="1"/>
+          <p:nvPr/>
+        </p:nvSpPr>
+        <p:spPr>
+          <a:xfrm>
+            <a:off x="767408" y="1628800"/>
+            <a:ext cx="10657184" cy="2862322"/>
+          </a:xfrm>
+          <a:prstGeom prst="rect">
+            <a:avLst/>
+          </a:prstGeom>
+          <a:noFill/>
+        </p:spPr>
+        <p:txBody>
+          <a:bodyPr wrap="square" rtlCol="0">
+            <a:spAutoFit/>
+          </a:bodyPr>
+          <a:lstStyle/>
+          <a:p>
+            <a:pPr marL="457200" indent="-457200">
+              <a:lnSpc>
+                <a:spcPct val="150000"/>
+              </a:lnSpc>
+              <a:buFont typeface="Arial" panose="020B0604020202020204" pitchFamily="34" charset="0"/>
+              <a:buChar char="•"/>
+            </a:pPr>
+            <a:r>
+              <a:rPr lang="ru-RU" dirty="0" smtClean="0"/>
+              <a:t>Оптимизация работы метода</a:t>
+            </a:r>
+          </a:p>
+          <a:p>
+            <a:pPr marL="457200" indent="-457200">
+              <a:lnSpc>
+                <a:spcPct val="150000"/>
+              </a:lnSpc>
+              <a:buFont typeface="Arial" panose="020B0604020202020204" pitchFamily="34" charset="0"/>
+              <a:buChar char="•"/>
+            </a:pPr>
+            <a:r>
+              <a:rPr lang="ru-RU" dirty="0" smtClean="0"/>
+              <a:t>Использование в качестве базового алгоритма в бустинге</a:t>
+            </a:r>
+          </a:p>
+          <a:p>
+            <a:pPr marL="457200" indent="-457200">
+              <a:lnSpc>
+                <a:spcPct val="150000"/>
+              </a:lnSpc>
+              <a:buFont typeface="Arial" panose="020B0604020202020204" pitchFamily="34" charset="0"/>
+              <a:buChar char="•"/>
+            </a:pPr>
+            <a:r>
+              <a:rPr lang="ru-RU" dirty="0" smtClean="0"/>
+              <a:t>Добавление новой функциональности метода</a:t>
+            </a:r>
+          </a:p>
+          <a:p>
+            <a:pPr marL="457200" indent="-457200">
+              <a:lnSpc>
+                <a:spcPct val="150000"/>
+              </a:lnSpc>
+              <a:buFont typeface="Arial" panose="020B0604020202020204" pitchFamily="34" charset="0"/>
+              <a:buChar char="•"/>
+            </a:pPr>
+            <a:r>
+              <a:rPr lang="ru-RU" dirty="0" smtClean="0"/>
+              <a:t>Проверка возможности применения метода для классификации изображений</a:t>
+            </a:r>
+            <a:endParaRPr lang="ru-RU" dirty="0"/>
+          </a:p>
+        </p:txBody>
+      </p:sp>
+    </p:spTree>
+    <p:extLst>
+      <p:ext uri="{BB962C8B-B14F-4D97-AF65-F5344CB8AC3E}">
+        <p14:creationId xmlns:p14="http://schemas.microsoft.com/office/powerpoint/2010/main" val="2294206103"/>
+      </p:ext>
+    </p:extLst>
+  </p:cSld>
+  <p:clrMapOvr>
+    <a:masterClrMapping/>
+  </p:clrMapOvr>
+</p:sld>
+</file>
+
+<file path=ppt/slides/slide19.xml><?xml version="1.0" encoding="utf-8"?>
+<p:sld xmlns:a="http://schemas.openxmlformats.org/drawingml/2006/main" xmlns:r="http://schemas.openxmlformats.org/officeDocument/2006/relationships" xmlns:p="http://schemas.openxmlformats.org/presentationml/2006/main">
+  <p:cSld>
+    <p:spTree>
+      <p:nvGrpSpPr>
+        <p:cNvPr id="1" name=""/>
+        <p:cNvGrpSpPr/>
+        <p:nvPr/>
+      </p:nvGrpSpPr>
+      <p:grpSpPr>
+        <a:xfrm>
+          <a:off x="0" y="0"/>
+          <a:ext cx="0" cy="0"/>
+          <a:chOff x="0" y="0"/>
+          <a:chExt cx="0" cy="0"/>
+        </a:xfrm>
+      </p:grpSpPr>
+      <p:sp>
+        <p:nvSpPr>
+          <p:cNvPr id="2" name="Заголовок 1"/>
+          <p:cNvSpPr>
+            <a:spLocks noGrp="1"/>
+          </p:cNvSpPr>
+          <p:nvPr>
             <p:ph type="ctrTitle"/>
           </p:nvPr>
         </p:nvSpPr>
